--- a/Rapport_&_Revue/Revue 2/Presentation_Revue_2_KETTERER_Anthony.pptx
+++ b/Rapport_&_Revue/Revue 2/Presentation_Revue_2_KETTERER_Anthony.pptx
@@ -621,6 +621,109 @@
 </p:notes>
 </file>
 
+<file path=ppt/notesSlides/notesSlide10.xml><?xml version="1.0" encoding="utf-8"?>
+<p:notes xmlns:a="http://schemas.openxmlformats.org/drawingml/2006/main" xmlns:r="http://schemas.openxmlformats.org/officeDocument/2006/relationships" xmlns:p="http://schemas.openxmlformats.org/presentationml/2006/main">
+  <p:cSld>
+    <p:spTree>
+      <p:nvGrpSpPr>
+        <p:cNvPr id="1" name=""/>
+        <p:cNvGrpSpPr/>
+        <p:nvPr/>
+      </p:nvGrpSpPr>
+      <p:grpSpPr>
+        <a:xfrm>
+          <a:off x="0" y="0"/>
+          <a:ext cx="0" cy="0"/>
+          <a:chOff x="0" y="0"/>
+          <a:chExt cx="0" cy="0"/>
+        </a:xfrm>
+      </p:grpSpPr>
+      <p:sp>
+        <p:nvSpPr>
+          <p:cNvPr id="2" name="Espace réservé de l'image des diapositives 1"/>
+          <p:cNvSpPr>
+            <a:spLocks noGrp="1" noRot="1" noChangeAspect="1"/>
+          </p:cNvSpPr>
+          <p:nvPr>
+            <p:ph type="sldImg"/>
+          </p:nvPr>
+        </p:nvSpPr>
+        <p:spPr>
+          <a:xfrm>
+            <a:off x="217488" y="812800"/>
+            <a:ext cx="7124700" cy="4008438"/>
+          </a:xfrm>
+        </p:spPr>
+      </p:sp>
+      <p:sp>
+        <p:nvSpPr>
+          <p:cNvPr id="3" name="Espace réservé des notes 2"/>
+          <p:cNvSpPr>
+            <a:spLocks noGrp="1"/>
+          </p:cNvSpPr>
+          <p:nvPr>
+            <p:ph type="body" idx="1"/>
+          </p:nvPr>
+        </p:nvSpPr>
+        <p:spPr/>
+        <p:txBody>
+          <a:bodyPr/>
+          <a:lstStyle/>
+          <a:p>
+            <a:r>
+              <a:rPr lang="fr-FR" dirty="0"/>
+              <a:t>KVM : une technologie de virtualisation intégrée directement au noyau Linux</a:t>
+            </a:r>
+          </a:p>
+          <a:p>
+            <a:r>
+              <a:rPr lang="fr-FR" dirty="0"/>
+              <a:t>VE : Virtual Environnement </a:t>
+            </a:r>
+          </a:p>
+        </p:txBody>
+      </p:sp>
+      <p:sp>
+        <p:nvSpPr>
+          <p:cNvPr id="4" name="Espace réservé du numéro de diapositive 3"/>
+          <p:cNvSpPr>
+            <a:spLocks noGrp="1"/>
+          </p:cNvSpPr>
+          <p:nvPr>
+            <p:ph type="sldNum"/>
+          </p:nvPr>
+        </p:nvSpPr>
+        <p:spPr/>
+        <p:txBody>
+          <a:bodyPr/>
+          <a:lstStyle/>
+          <a:p>
+            <a:pPr algn="r"/>
+            <a:fld id="{BCFB0188-5A21-490E-9DC4-4E9CB768BEDF}" type="slidenum">
+              <a:rPr lang="fr-FR" sz="1400" b="0" strike="noStrike" spc="-1" smtClean="0">
+                <a:latin typeface="Times New Roman"/>
+              </a:rPr>
+              <a:t>14</a:t>
+            </a:fld>
+            <a:endParaRPr lang="fr-FR" sz="1400" b="0" strike="noStrike" spc="-1" dirty="0">
+              <a:latin typeface="Times New Roman"/>
+            </a:endParaRPr>
+          </a:p>
+        </p:txBody>
+      </p:sp>
+    </p:spTree>
+    <p:extLst>
+      <p:ext uri="{BB962C8B-B14F-4D97-AF65-F5344CB8AC3E}">
+        <p14:creationId xmlns:p14="http://schemas.microsoft.com/office/powerpoint/2010/main" val="613171482"/>
+      </p:ext>
+    </p:extLst>
+  </p:cSld>
+  <p:clrMapOvr>
+    <a:masterClrMapping/>
+  </p:clrMapOvr>
+</p:notes>
+</file>
+
 <file path=ppt/notesSlides/notesSlide2.xml><?xml version="1.0" encoding="utf-8"?>
 <p:notes xmlns:a="http://schemas.openxmlformats.org/drawingml/2006/main" xmlns:r="http://schemas.openxmlformats.org/officeDocument/2006/relationships" xmlns:p="http://schemas.openxmlformats.org/presentationml/2006/main">
   <p:cSld>
@@ -915,6 +1018,19 @@
           <a:bodyPr/>
           <a:lstStyle/>
           <a:p>
+            <a:r>
+              <a:rPr lang="fr-FR" dirty="0"/>
+              <a:t>ARL : </a:t>
+            </a:r>
+            <a:r>
+              <a:rPr lang="fr-FR" sz="1200" b="0" strike="noStrike" spc="-1" dirty="0">
+                <a:solidFill>
+                  <a:srgbClr val="000000"/>
+                </a:solidFill>
+                <a:latin typeface="Calibri"/>
+              </a:rPr>
+              <a:t>Agents Région des Lycées</a:t>
+            </a:r>
             <a:endParaRPr lang="fr-FR" dirty="0"/>
           </a:p>
         </p:txBody>
@@ -1257,61 +1373,33 @@
           <a:p>
             <a:r>
               <a:rPr lang="fr-FR" dirty="0"/>
-              <a:t>PWM : est une technique permettant de simuler une sortie analogique à partir d'une sortie numérique.</a:t>
-            </a:r>
-          </a:p>
-          <a:p>
-            <a:endParaRPr lang="fr-FR" dirty="0"/>
-          </a:p>
-          <a:p>
-            <a:r>
-              <a:rPr lang="fr-FR" b="1" dirty="0"/>
-              <a:t>16 MHz</a:t>
-            </a:r>
+              <a:t>Nombres d’heures présentes sur le diagramme : 114</a:t>
+            </a:r>
+          </a:p>
+          <a:p>
+            <a:pPr marL="0" marR="0" lvl="0" indent="0" algn="l" defTabSz="914400" rtl="0" eaLnBrk="1" fontAlgn="auto" latinLnBrk="0" hangingPunct="1">
+              <a:lnSpc>
+                <a:spcPct val="100000"/>
+              </a:lnSpc>
+              <a:spcBef>
+                <a:spcPts val="0"/>
+              </a:spcBef>
+              <a:spcAft>
+                <a:spcPts val="0"/>
+              </a:spcAft>
+              <a:buClrTx/>
+              <a:buSzTx/>
+              <a:buFontTx/>
+              <a:buNone/>
+              <a:tabLst/>
+              <a:defRPr/>
+            </a:pPr>
             <a:r>
               <a:rPr lang="fr-FR" dirty="0"/>
-              <a:t> signifie </a:t>
-            </a:r>
-            <a:r>
-              <a:rPr lang="fr-FR" b="1" dirty="0"/>
-              <a:t>16 millions de cycles par seconde</a:t>
-            </a:r>
-            <a:r>
-              <a:rPr lang="fr-FR" dirty="0"/>
-              <a:t>. Chaque instruction du processeur prend un certain nombre de cycles d’horloge pour s’exécuter. Un </a:t>
-            </a:r>
-            <a:r>
-              <a:rPr lang="fr-FR" b="1" dirty="0"/>
-              <a:t>oscillateur à quartz</a:t>
-            </a:r>
-            <a:r>
-              <a:rPr lang="fr-FR" dirty="0"/>
-              <a:t> fournit cette fréquence stable au microcontrôleur.</a:t>
-            </a:r>
-          </a:p>
-          <a:p>
-            <a:endParaRPr lang="fr-FR" dirty="0"/>
-          </a:p>
-          <a:p>
-            <a:r>
-              <a:rPr lang="fr-FR" dirty="0"/>
-              <a:t>✅ </a:t>
-            </a:r>
-            <a:r>
-              <a:rPr lang="fr-FR" b="1" dirty="0"/>
-              <a:t>Compromis entre performance et consommation d’énergie</a:t>
-            </a:r>
-            <a:br>
-              <a:rPr lang="fr-FR" dirty="0"/>
-            </a:br>
-            <a:r>
-              <a:rPr lang="fr-FR" dirty="0"/>
-              <a:t>✅ </a:t>
-            </a:r>
-            <a:r>
-              <a:rPr lang="fr-FR" b="1" dirty="0"/>
-              <a:t>Suffisant pour la plupart des applications embarquées</a:t>
-            </a:r>
+              <a:t>Nombres d’heures effectuées : 78</a:t>
+            </a:r>
+          </a:p>
+          <a:p>
             <a:endParaRPr lang="fr-FR" dirty="0"/>
           </a:p>
         </p:txBody>
@@ -1336,7 +1424,7 @@
               <a:rPr lang="fr-FR" sz="1400" b="0" strike="noStrike" spc="-1" smtClean="0">
                 <a:latin typeface="Times New Roman"/>
               </a:rPr>
-              <a:t>12</a:t>
+              <a:t>10</a:t>
             </a:fld>
             <a:endParaRPr lang="fr-FR" sz="1400" b="0" strike="noStrike" spc="-1" dirty="0">
               <a:latin typeface="Times New Roman"/>
@@ -1347,7 +1435,7 @@
     </p:spTree>
     <p:extLst>
       <p:ext uri="{BB962C8B-B14F-4D97-AF65-F5344CB8AC3E}">
-        <p14:creationId xmlns:p14="http://schemas.microsoft.com/office/powerpoint/2010/main" val="3255945073"/>
+        <p14:creationId xmlns:p14="http://schemas.microsoft.com/office/powerpoint/2010/main" val="2085928582"/>
       </p:ext>
     </p:extLst>
   </p:cSld>
@@ -1408,14 +1496,62 @@
           <a:p>
             <a:r>
               <a:rPr lang="fr-FR" dirty="0"/>
-              <a:t>KVM : une technologie de virtualisation intégrée directement au noyau Linux</a:t>
-            </a:r>
-          </a:p>
-          <a:p>
+              <a:t>PWM : est une technique permettant de simuler une sortie analogique à partir d'une sortie numérique.</a:t>
+            </a:r>
+          </a:p>
+          <a:p>
+            <a:endParaRPr lang="fr-FR" dirty="0"/>
+          </a:p>
+          <a:p>
+            <a:r>
+              <a:rPr lang="fr-FR" b="1" dirty="0"/>
+              <a:t>16 MHz</a:t>
+            </a:r>
             <a:r>
               <a:rPr lang="fr-FR" dirty="0"/>
-              <a:t>VE : Virtual Environnement </a:t>
-            </a:r>
+              <a:t> signifie </a:t>
+            </a:r>
+            <a:r>
+              <a:rPr lang="fr-FR" b="1" dirty="0"/>
+              <a:t>16 millions de cycles par seconde</a:t>
+            </a:r>
+            <a:r>
+              <a:rPr lang="fr-FR" dirty="0"/>
+              <a:t>. Chaque instruction du processeur prend un certain nombre de cycles d’horloge pour s’exécuter. Un </a:t>
+            </a:r>
+            <a:r>
+              <a:rPr lang="fr-FR" b="1" dirty="0"/>
+              <a:t>oscillateur à quartz</a:t>
+            </a:r>
+            <a:r>
+              <a:rPr lang="fr-FR" dirty="0"/>
+              <a:t> fournit cette fréquence stable au microcontrôleur.</a:t>
+            </a:r>
+          </a:p>
+          <a:p>
+            <a:endParaRPr lang="fr-FR" dirty="0"/>
+          </a:p>
+          <a:p>
+            <a:r>
+              <a:rPr lang="fr-FR" dirty="0"/>
+              <a:t>✅ </a:t>
+            </a:r>
+            <a:r>
+              <a:rPr lang="fr-FR" b="1" dirty="0"/>
+              <a:t>Compromis entre performance et consommation d’énergie </a:t>
+            </a:r>
+            <a:br>
+              <a:rPr lang="fr-FR" dirty="0"/>
+            </a:br>
+            <a:r>
+              <a:rPr lang="fr-FR" dirty="0"/>
+              <a:t>✅ </a:t>
+            </a:r>
+            <a:r>
+              <a:rPr lang="fr-FR" b="1" dirty="0"/>
+              <a:t>Suffisant pour la plupart des applications embarquées</a:t>
+            </a:r>
+            <a:endParaRPr lang="fr-FR" dirty="0"/>
           </a:p>
         </p:txBody>
       </p:sp>
@@ -1439,7 +1575,7 @@
               <a:rPr lang="fr-FR" sz="1400" b="0" strike="noStrike" spc="-1" smtClean="0">
                 <a:latin typeface="Times New Roman"/>
               </a:rPr>
-              <a:t>14</a:t>
+              <a:t>12</a:t>
             </a:fld>
             <a:endParaRPr lang="fr-FR" sz="1400" b="0" strike="noStrike" spc="-1" dirty="0">
               <a:latin typeface="Times New Roman"/>
@@ -1450,7 +1586,101 @@
     </p:spTree>
     <p:extLst>
       <p:ext uri="{BB962C8B-B14F-4D97-AF65-F5344CB8AC3E}">
-        <p14:creationId xmlns:p14="http://schemas.microsoft.com/office/powerpoint/2010/main" val="613171482"/>
+        <p14:creationId xmlns:p14="http://schemas.microsoft.com/office/powerpoint/2010/main" val="3255945073"/>
+      </p:ext>
+    </p:extLst>
+  </p:cSld>
+  <p:clrMapOvr>
+    <a:masterClrMapping/>
+  </p:clrMapOvr>
+</p:notes>
+</file>
+
+<file path=ppt/notesSlides/notesSlide9.xml><?xml version="1.0" encoding="utf-8"?>
+<p:notes xmlns:a="http://schemas.openxmlformats.org/drawingml/2006/main" xmlns:r="http://schemas.openxmlformats.org/officeDocument/2006/relationships" xmlns:p="http://schemas.openxmlformats.org/presentationml/2006/main">
+  <p:cSld>
+    <p:spTree>
+      <p:nvGrpSpPr>
+        <p:cNvPr id="1" name=""/>
+        <p:cNvGrpSpPr/>
+        <p:nvPr/>
+      </p:nvGrpSpPr>
+      <p:grpSpPr>
+        <a:xfrm>
+          <a:off x="0" y="0"/>
+          <a:ext cx="0" cy="0"/>
+          <a:chOff x="0" y="0"/>
+          <a:chExt cx="0" cy="0"/>
+        </a:xfrm>
+      </p:grpSpPr>
+      <p:sp>
+        <p:nvSpPr>
+          <p:cNvPr id="2" name="Espace réservé de l'image des diapositives 1"/>
+          <p:cNvSpPr>
+            <a:spLocks noGrp="1" noRot="1" noChangeAspect="1"/>
+          </p:cNvSpPr>
+          <p:nvPr>
+            <p:ph type="sldImg"/>
+          </p:nvPr>
+        </p:nvSpPr>
+        <p:spPr>
+          <a:xfrm>
+            <a:off x="217488" y="812800"/>
+            <a:ext cx="7124700" cy="4008438"/>
+          </a:xfrm>
+        </p:spPr>
+      </p:sp>
+      <p:sp>
+        <p:nvSpPr>
+          <p:cNvPr id="3" name="Espace réservé des notes 2"/>
+          <p:cNvSpPr>
+            <a:spLocks noGrp="1"/>
+          </p:cNvSpPr>
+          <p:nvPr>
+            <p:ph type="body" idx="1"/>
+          </p:nvPr>
+        </p:nvSpPr>
+        <p:spPr/>
+        <p:txBody>
+          <a:bodyPr/>
+          <a:lstStyle/>
+          <a:p>
+            <a:endParaRPr lang="fr-FR" dirty="0"/>
+          </a:p>
+        </p:txBody>
+      </p:sp>
+      <p:sp>
+        <p:nvSpPr>
+          <p:cNvPr id="4" name="Espace réservé du numéro de diapositive 3"/>
+          <p:cNvSpPr>
+            <a:spLocks noGrp="1"/>
+          </p:cNvSpPr>
+          <p:nvPr>
+            <p:ph type="sldNum"/>
+          </p:nvPr>
+        </p:nvSpPr>
+        <p:spPr/>
+        <p:txBody>
+          <a:bodyPr/>
+          <a:lstStyle/>
+          <a:p>
+            <a:pPr algn="r"/>
+            <a:fld id="{BCFB0188-5A21-490E-9DC4-4E9CB768BEDF}" type="slidenum">
+              <a:rPr lang="fr-FR" sz="1400" b="0" strike="noStrike" spc="-1" smtClean="0">
+                <a:latin typeface="Times New Roman"/>
+              </a:rPr>
+              <a:t>13</a:t>
+            </a:fld>
+            <a:endParaRPr lang="fr-FR" sz="1400" b="0" strike="noStrike" spc="-1" dirty="0">
+              <a:latin typeface="Times New Roman"/>
+            </a:endParaRPr>
+          </a:p>
+        </p:txBody>
+      </p:sp>
+    </p:spTree>
+    <p:extLst>
+      <p:ext uri="{BB962C8B-B14F-4D97-AF65-F5344CB8AC3E}">
+        <p14:creationId xmlns:p14="http://schemas.microsoft.com/office/powerpoint/2010/main" val="2797041693"/>
       </p:ext>
     </p:extLst>
   </p:cSld>
@@ -3251,7 +3481,7 @@
                 </a:solidFill>
                 <a:latin typeface="Calibri"/>
               </a:rPr>
-              <a:t>17/02/2025</a:t>
+              <a:t>19/02/2025</a:t>
             </a:fld>
             <a:endParaRPr lang="fr-FR" sz="1200" b="0" strike="noStrike" spc="-1" dirty="0">
               <a:latin typeface="Times New Roman"/>
@@ -4288,7 +4518,7 @@
           <p:nvPr/>
         </p:nvPicPr>
         <p:blipFill>
-          <a:blip r:embed="rId2" cstate="print">
+          <a:blip r:embed="rId3" cstate="print">
             <a:extLst>
               <a:ext uri="{28A0092B-C50C-407E-A947-70E740481C1C}">
                 <a14:useLocalDpi xmlns:a14="http://schemas.microsoft.com/office/drawing/2010/main" val="0"/>
@@ -4311,10 +4541,10 @@
       </p:pic>
       <p:pic>
         <p:nvPicPr>
-          <p:cNvPr id="6" name="Image 5">
+          <p:cNvPr id="14" name="Image 13">
             <a:extLst>
               <a:ext uri="{FF2B5EF4-FFF2-40B4-BE49-F238E27FC236}">
-                <a16:creationId xmlns:a16="http://schemas.microsoft.com/office/drawing/2014/main" id="{5BB1FB18-2EBB-49E4-B459-56D57C9D0D92}"/>
+                <a16:creationId xmlns:a16="http://schemas.microsoft.com/office/drawing/2014/main" id="{AB1D1D9B-E0DA-B9DB-7846-DE0DCD73B62E}"/>
               </a:ext>
             </a:extLst>
           </p:cNvPr>
@@ -4324,15 +4554,15 @@
           <p:nvPr/>
         </p:nvPicPr>
         <p:blipFill>
-          <a:blip r:embed="rId3"/>
+          <a:blip r:embed="rId4"/>
           <a:stretch>
             <a:fillRect/>
           </a:stretch>
         </p:blipFill>
         <p:spPr>
           <a:xfrm>
-            <a:off x="996050" y="1208090"/>
-            <a:ext cx="10516858" cy="5244101"/>
+            <a:off x="1311214" y="1138743"/>
+            <a:ext cx="10389079" cy="5187443"/>
           </a:xfrm>
           <a:prstGeom prst="rect">
             <a:avLst/>
@@ -4654,12 +4884,71 @@
           </a:prstGeom>
         </p:spPr>
       </p:pic>
+      <p:sp>
+        <p:nvSpPr>
+          <p:cNvPr id="3" name="ZoneTexte 2">
+            <a:extLst>
+              <a:ext uri="{FF2B5EF4-FFF2-40B4-BE49-F238E27FC236}">
+                <a16:creationId xmlns:a16="http://schemas.microsoft.com/office/drawing/2014/main" id="{FB23EFBB-D588-FCAA-1886-6CED3115E6D7}"/>
+              </a:ext>
+            </a:extLst>
+          </p:cNvPr>
+          <p:cNvSpPr txBox="1"/>
+          <p:nvPr/>
+        </p:nvSpPr>
+        <p:spPr>
+          <a:xfrm>
+            <a:off x="5768552" y="4849008"/>
+            <a:ext cx="4684295" cy="738664"/>
+          </a:xfrm>
+          <a:prstGeom prst="rect">
+            <a:avLst/>
+          </a:prstGeom>
+          <a:noFill/>
+        </p:spPr>
+        <p:txBody>
+          <a:bodyPr wrap="square" rtlCol="0">
+            <a:spAutoFit/>
+          </a:bodyPr>
+          <a:lstStyle/>
+          <a:p>
+            <a:pPr marL="285750" indent="-285750">
+              <a:buFont typeface="Arial" panose="020B0604020202020204" pitchFamily="34" charset="0"/>
+              <a:buChar char="•"/>
+            </a:pPr>
+            <a:r>
+              <a:rPr lang="fr-FR" sz="1400" dirty="0"/>
+              <a:t>Démarre serveur web</a:t>
+            </a:r>
+          </a:p>
+          <a:p>
+            <a:pPr marL="285750" indent="-285750">
+              <a:buFont typeface="Arial" panose="020B0604020202020204" pitchFamily="34" charset="0"/>
+              <a:buChar char="•"/>
+            </a:pPr>
+            <a:r>
+              <a:rPr lang="fr-FR" sz="1400" dirty="0"/>
+              <a:t>Détecte le serveur MQTT + message</a:t>
+            </a:r>
+          </a:p>
+          <a:p>
+            <a:pPr marL="285750" indent="-285750">
+              <a:buFont typeface="Arial" panose="020B0604020202020204" pitchFamily="34" charset="0"/>
+              <a:buChar char="•"/>
+            </a:pPr>
+            <a:r>
+              <a:rPr lang="fr-FR" sz="1400" dirty="0"/>
+              <a:t>Publie les données + message </a:t>
+            </a:r>
+          </a:p>
+        </p:txBody>
+      </p:sp>
       <p:pic>
         <p:nvPicPr>
-          <p:cNvPr id="6" name="Image 5">
+          <p:cNvPr id="7" name="Image 6">
             <a:extLst>
               <a:ext uri="{FF2B5EF4-FFF2-40B4-BE49-F238E27FC236}">
-                <a16:creationId xmlns:a16="http://schemas.microsoft.com/office/drawing/2014/main" id="{F43071AF-856F-BEC0-D79F-621A6762B081}"/>
+                <a16:creationId xmlns:a16="http://schemas.microsoft.com/office/drawing/2014/main" id="{5B1F739B-35EC-ABA7-2AA4-7A07D3BA93BD}"/>
               </a:ext>
             </a:extLst>
           </p:cNvPr>
@@ -4676,73 +4965,14 @@
         </p:blipFill>
         <p:spPr>
           <a:xfrm>
-            <a:off x="729833" y="1862117"/>
-            <a:ext cx="4403269" cy="3605455"/>
+            <a:off x="1109366" y="1899971"/>
+            <a:ext cx="4239217" cy="3820058"/>
           </a:xfrm>
           <a:prstGeom prst="rect">
             <a:avLst/>
           </a:prstGeom>
         </p:spPr>
       </p:pic>
-      <p:sp>
-        <p:nvSpPr>
-          <p:cNvPr id="3" name="ZoneTexte 2">
-            <a:extLst>
-              <a:ext uri="{FF2B5EF4-FFF2-40B4-BE49-F238E27FC236}">
-                <a16:creationId xmlns:a16="http://schemas.microsoft.com/office/drawing/2014/main" id="{FB23EFBB-D588-FCAA-1886-6CED3115E6D7}"/>
-              </a:ext>
-            </a:extLst>
-          </p:cNvPr>
-          <p:cNvSpPr txBox="1"/>
-          <p:nvPr/>
-        </p:nvSpPr>
-        <p:spPr>
-          <a:xfrm>
-            <a:off x="5768552" y="4849008"/>
-            <a:ext cx="4684295" cy="738664"/>
-          </a:xfrm>
-          <a:prstGeom prst="rect">
-            <a:avLst/>
-          </a:prstGeom>
-          <a:noFill/>
-        </p:spPr>
-        <p:txBody>
-          <a:bodyPr wrap="square" rtlCol="0">
-            <a:spAutoFit/>
-          </a:bodyPr>
-          <a:lstStyle/>
-          <a:p>
-            <a:pPr marL="285750" indent="-285750">
-              <a:buFont typeface="Arial" panose="020B0604020202020204" pitchFamily="34" charset="0"/>
-              <a:buChar char="•"/>
-            </a:pPr>
-            <a:r>
-              <a:rPr lang="fr-FR" sz="1400" dirty="0"/>
-              <a:t>Démarre serveur web</a:t>
-            </a:r>
-          </a:p>
-          <a:p>
-            <a:pPr marL="285750" indent="-285750">
-              <a:buFont typeface="Arial" panose="020B0604020202020204" pitchFamily="34" charset="0"/>
-              <a:buChar char="•"/>
-            </a:pPr>
-            <a:r>
-              <a:rPr lang="fr-FR" sz="1400" dirty="0"/>
-              <a:t>Détecte le serveur MQTT + message</a:t>
-            </a:r>
-          </a:p>
-          <a:p>
-            <a:pPr marL="285750" indent="-285750">
-              <a:buFont typeface="Arial" panose="020B0604020202020204" pitchFamily="34" charset="0"/>
-              <a:buChar char="•"/>
-            </a:pPr>
-            <a:r>
-              <a:rPr lang="fr-FR" sz="1400" dirty="0"/>
-              <a:t>Publie les données + message </a:t>
-            </a:r>
-          </a:p>
-        </p:txBody>
-      </p:sp>
     </p:spTree>
     <p:extLst>
       <p:ext uri="{BB962C8B-B14F-4D97-AF65-F5344CB8AC3E}">
@@ -4845,7 +5075,7 @@
           <p:nvPr/>
         </p:nvPicPr>
         <p:blipFill>
-          <a:blip r:embed="rId2" cstate="print">
+          <a:blip r:embed="rId3" cstate="print">
             <a:extLst>
               <a:ext uri="{28A0092B-C50C-407E-A947-70E740481C1C}">
                 <a14:useLocalDpi xmlns:a14="http://schemas.microsoft.com/office/drawing/2010/main" val="0"/>
@@ -4884,8 +5114,8 @@
         </p:nvSpPr>
         <p:spPr>
           <a:xfrm>
-            <a:off x="3457018" y="2857680"/>
-            <a:ext cx="5277959" cy="1142640"/>
+            <a:off x="2411847" y="2857680"/>
+            <a:ext cx="7368298" cy="1142640"/>
           </a:xfrm>
         </p:spPr>
         <p:txBody>
@@ -4899,7 +5129,7 @@
                 </a:solidFill>
                 <a:latin typeface="Genva"/>
               </a:rPr>
-              <a:t>Infrastructure</a:t>
+              <a:t>Infrastructure, VPN</a:t>
             </a:r>
             <a:endParaRPr lang="fr-FR" sz="7200" dirty="0"/>
           </a:p>
@@ -6269,7 +6499,7 @@
                 </a:solidFill>
                 <a:latin typeface="Genva"/>
               </a:rPr>
-              <a:t>Déploiement actuel</a:t>
+              <a:t>Conclusion</a:t>
             </a:r>
             <a:endParaRPr lang="fr-FR" sz="3200" b="1" i="1" spc="-1" dirty="0">
               <a:solidFill>
@@ -6409,7 +6639,7 @@
                 </a:solidFill>
                 <a:latin typeface="Genva"/>
               </a:rPr>
-              <a:t>Déploiement actuel</a:t>
+              <a:t>Conclusion</a:t>
             </a:r>
             <a:endParaRPr lang="fr-FR" dirty="0"/>
           </a:p>
@@ -6492,10 +6722,10 @@
       </p:pic>
       <p:pic>
         <p:nvPicPr>
-          <p:cNvPr id="7" name="Image 6">
+          <p:cNvPr id="9" name="Image 8">
             <a:extLst>
               <a:ext uri="{FF2B5EF4-FFF2-40B4-BE49-F238E27FC236}">
-                <a16:creationId xmlns:a16="http://schemas.microsoft.com/office/drawing/2014/main" id="{365D9DDA-B74A-6726-5B7A-4FCBE9E8618B}"/>
+                <a16:creationId xmlns:a16="http://schemas.microsoft.com/office/drawing/2014/main" id="{B47804DF-B925-A2F5-32DF-5E083F43F59E}"/>
               </a:ext>
             </a:extLst>
           </p:cNvPr>
@@ -6512,8 +6742,8 @@
         </p:blipFill>
         <p:spPr>
           <a:xfrm>
-            <a:off x="1889069" y="1134598"/>
-            <a:ext cx="8990649" cy="5328804"/>
+            <a:off x="1465716" y="1176416"/>
+            <a:ext cx="9606668" cy="5532209"/>
           </a:xfrm>
           <a:prstGeom prst="rect">
             <a:avLst/>
@@ -7000,7 +7230,7 @@
                 <a:effectLst/>
                 <a:latin typeface="+mj-lt"/>
               </a:rPr>
-              <a:t>ollectivité territoriale française</a:t>
+              <a:t>ollectivitée territoriale française</a:t>
             </a:r>
             <a:endParaRPr lang="fr-FR" b="1" dirty="0">
               <a:solidFill>
@@ -10541,10 +10771,10 @@
       </p:pic>
       <p:pic>
         <p:nvPicPr>
-          <p:cNvPr id="6" name="Image 5">
+          <p:cNvPr id="8" name="Image 7">
             <a:extLst>
               <a:ext uri="{FF2B5EF4-FFF2-40B4-BE49-F238E27FC236}">
-                <a16:creationId xmlns:a16="http://schemas.microsoft.com/office/drawing/2014/main" id="{006F431C-D9FC-D16E-8DE4-78035A7BF63E}"/>
+                <a16:creationId xmlns:a16="http://schemas.microsoft.com/office/drawing/2014/main" id="{90871F83-7A9C-EB7F-9B17-FDC0961EB143}"/>
               </a:ext>
             </a:extLst>
           </p:cNvPr>
@@ -10561,8 +10791,8 @@
         </p:blipFill>
         <p:spPr>
           <a:xfrm>
-            <a:off x="1763486" y="1443140"/>
-            <a:ext cx="9190680" cy="5341813"/>
+            <a:off x="1773204" y="1354278"/>
+            <a:ext cx="9165306" cy="5303032"/>
           </a:xfrm>
           <a:prstGeom prst="rect">
             <a:avLst/>
@@ -10720,8 +10950,8 @@
         </p:blipFill>
         <p:spPr>
           <a:xfrm>
-            <a:off x="2601470" y="1498559"/>
-            <a:ext cx="7541056" cy="4994329"/>
+            <a:off x="2325471" y="1362275"/>
+            <a:ext cx="7759561" cy="5139042"/>
           </a:xfrm>
           <a:prstGeom prst="rect">
             <a:avLst/>
